--- a/ppt 16-9/0591.感谢主拣选我.pptx
+++ b/ppt 16-9/0591.感谢主拣选我.pptx
@@ -129,7 +129,7 @@
           <p:cNvPr id="2" name="标题 1">
             <a:extLst>
               <a:ext uri="{FF2B5EF4-FFF2-40B4-BE49-F238E27FC236}">
-                <a16:creationId xmlns:a16="http://schemas.microsoft.com/office/drawing/2014/main" id="{A719D3B4-546D-E7FF-DBC2-858D6C79966B}"/>
+                <a16:creationId xmlns:a16="http://schemas.microsoft.com/office/drawing/2014/main" id="{1524A284-826A-6F40-D2A2-CA9FB95CB438}"/>
               </a:ext>
             </a:extLst>
           </p:cNvPr>
@@ -166,7 +166,7 @@
           <p:cNvPr id="3" name="副标题 2">
             <a:extLst>
               <a:ext uri="{FF2B5EF4-FFF2-40B4-BE49-F238E27FC236}">
-                <a16:creationId xmlns:a16="http://schemas.microsoft.com/office/drawing/2014/main" id="{323DF739-5F27-42AC-747D-AE74DB28A71D}"/>
+                <a16:creationId xmlns:a16="http://schemas.microsoft.com/office/drawing/2014/main" id="{EB69AA0A-919A-A09C-504F-8DEB8169332C}"/>
               </a:ext>
             </a:extLst>
           </p:cNvPr>
@@ -236,7 +236,7 @@
           <p:cNvPr id="4" name="日期占位符 3">
             <a:extLst>
               <a:ext uri="{FF2B5EF4-FFF2-40B4-BE49-F238E27FC236}">
-                <a16:creationId xmlns:a16="http://schemas.microsoft.com/office/drawing/2014/main" id="{846CC979-A02F-0D50-0EF7-EE985FE4F60D}"/>
+                <a16:creationId xmlns:a16="http://schemas.microsoft.com/office/drawing/2014/main" id="{384DA73F-DF4A-9450-FBC0-8BAECDD00C6D}"/>
               </a:ext>
             </a:extLst>
           </p:cNvPr>
@@ -252,7 +252,7 @@
           <a:bodyPr/>
           <a:lstStyle/>
           <a:p>
-            <a:fld id="{45E5504D-9A42-407F-9ADB-4855CA75E19F}" type="datetimeFigureOut">
+            <a:fld id="{CCC0D6D1-0F64-4F03-98C2-B9ED375D032D}" type="datetimeFigureOut">
               <a:rPr lang="zh-CN" altLang="en-US" smtClean="0"/>
               <a:t>2024/3/10</a:t>
             </a:fld>
@@ -265,7 +265,7 @@
           <p:cNvPr id="5" name="页脚占位符 4">
             <a:extLst>
               <a:ext uri="{FF2B5EF4-FFF2-40B4-BE49-F238E27FC236}">
-                <a16:creationId xmlns:a16="http://schemas.microsoft.com/office/drawing/2014/main" id="{26B6FFF0-FA91-B6AF-34D7-922D080C5C4D}"/>
+                <a16:creationId xmlns:a16="http://schemas.microsoft.com/office/drawing/2014/main" id="{2A62D92E-BF07-8B8C-B0F6-77BAF20FD3D8}"/>
               </a:ext>
             </a:extLst>
           </p:cNvPr>
@@ -290,7 +290,7 @@
           <p:cNvPr id="6" name="灯片编号占位符 5">
             <a:extLst>
               <a:ext uri="{FF2B5EF4-FFF2-40B4-BE49-F238E27FC236}">
-                <a16:creationId xmlns:a16="http://schemas.microsoft.com/office/drawing/2014/main" id="{DE20B27F-D290-5132-D3DA-7EA33018F2CA}"/>
+                <a16:creationId xmlns:a16="http://schemas.microsoft.com/office/drawing/2014/main" id="{09BB1B4F-4636-157B-BC2F-9C900A5B7AE2}"/>
               </a:ext>
             </a:extLst>
           </p:cNvPr>
@@ -306,7 +306,7 @@
           <a:bodyPr/>
           <a:lstStyle/>
           <a:p>
-            <a:fld id="{20D6FCAB-C98D-4DC6-B76C-2F7B2D3D4AF4}" type="slidenum">
+            <a:fld id="{1DC96638-44A9-48CC-8284-0C6C15CDEEF7}" type="slidenum">
               <a:rPr lang="zh-CN" altLang="en-US" smtClean="0"/>
               <a:t>‹#›</a:t>
             </a:fld>
@@ -317,7 +317,7 @@
     </p:spTree>
     <p:extLst>
       <p:ext uri="{BB962C8B-B14F-4D97-AF65-F5344CB8AC3E}">
-        <p14:creationId xmlns:p14="http://schemas.microsoft.com/office/powerpoint/2010/main" val="2413026227"/>
+        <p14:creationId xmlns:p14="http://schemas.microsoft.com/office/powerpoint/2010/main" val="3269808832"/>
       </p:ext>
     </p:extLst>
   </p:cSld>
@@ -349,7 +349,7 @@
           <p:cNvPr id="2" name="标题 1">
             <a:extLst>
               <a:ext uri="{FF2B5EF4-FFF2-40B4-BE49-F238E27FC236}">
-                <a16:creationId xmlns:a16="http://schemas.microsoft.com/office/drawing/2014/main" id="{D8E9C1FE-6952-655D-3DBB-0E7F1BA37C3F}"/>
+                <a16:creationId xmlns:a16="http://schemas.microsoft.com/office/drawing/2014/main" id="{DD46F8A6-7581-0957-6A28-4B252CFD38FE}"/>
               </a:ext>
             </a:extLst>
           </p:cNvPr>
@@ -377,7 +377,7 @@
           <p:cNvPr id="3" name="竖排文字占位符 2">
             <a:extLst>
               <a:ext uri="{FF2B5EF4-FFF2-40B4-BE49-F238E27FC236}">
-                <a16:creationId xmlns:a16="http://schemas.microsoft.com/office/drawing/2014/main" id="{B67209EC-7CC3-5FAF-FDE1-38DD10AF191F}"/>
+                <a16:creationId xmlns:a16="http://schemas.microsoft.com/office/drawing/2014/main" id="{2E43A1C5-AEAC-6DEE-951B-14E64410AF8A}"/>
               </a:ext>
             </a:extLst>
           </p:cNvPr>
@@ -434,7 +434,7 @@
           <p:cNvPr id="4" name="日期占位符 3">
             <a:extLst>
               <a:ext uri="{FF2B5EF4-FFF2-40B4-BE49-F238E27FC236}">
-                <a16:creationId xmlns:a16="http://schemas.microsoft.com/office/drawing/2014/main" id="{C7FE479A-55E1-70E9-6574-08096F2E923A}"/>
+                <a16:creationId xmlns:a16="http://schemas.microsoft.com/office/drawing/2014/main" id="{4D34DAA0-98FC-15F2-8216-B44A693446BB}"/>
               </a:ext>
             </a:extLst>
           </p:cNvPr>
@@ -450,7 +450,7 @@
           <a:bodyPr/>
           <a:lstStyle/>
           <a:p>
-            <a:fld id="{45E5504D-9A42-407F-9ADB-4855CA75E19F}" type="datetimeFigureOut">
+            <a:fld id="{CCC0D6D1-0F64-4F03-98C2-B9ED375D032D}" type="datetimeFigureOut">
               <a:rPr lang="zh-CN" altLang="en-US" smtClean="0"/>
               <a:t>2024/3/10</a:t>
             </a:fld>
@@ -463,7 +463,7 @@
           <p:cNvPr id="5" name="页脚占位符 4">
             <a:extLst>
               <a:ext uri="{FF2B5EF4-FFF2-40B4-BE49-F238E27FC236}">
-                <a16:creationId xmlns:a16="http://schemas.microsoft.com/office/drawing/2014/main" id="{DCE87042-E26D-3A2B-249D-17CF29632D5E}"/>
+                <a16:creationId xmlns:a16="http://schemas.microsoft.com/office/drawing/2014/main" id="{14474C96-83BD-EB25-870A-F17712A3C810}"/>
               </a:ext>
             </a:extLst>
           </p:cNvPr>
@@ -488,7 +488,7 @@
           <p:cNvPr id="6" name="灯片编号占位符 5">
             <a:extLst>
               <a:ext uri="{FF2B5EF4-FFF2-40B4-BE49-F238E27FC236}">
-                <a16:creationId xmlns:a16="http://schemas.microsoft.com/office/drawing/2014/main" id="{8354F1FB-E180-BD35-9674-73829A39861C}"/>
+                <a16:creationId xmlns:a16="http://schemas.microsoft.com/office/drawing/2014/main" id="{FB01FFCD-EDB7-C255-418D-6C55F0917847}"/>
               </a:ext>
             </a:extLst>
           </p:cNvPr>
@@ -504,7 +504,7 @@
           <a:bodyPr/>
           <a:lstStyle/>
           <a:p>
-            <a:fld id="{20D6FCAB-C98D-4DC6-B76C-2F7B2D3D4AF4}" type="slidenum">
+            <a:fld id="{1DC96638-44A9-48CC-8284-0C6C15CDEEF7}" type="slidenum">
               <a:rPr lang="zh-CN" altLang="en-US" smtClean="0"/>
               <a:t>‹#›</a:t>
             </a:fld>
@@ -515,7 +515,7 @@
     </p:spTree>
     <p:extLst>
       <p:ext uri="{BB962C8B-B14F-4D97-AF65-F5344CB8AC3E}">
-        <p14:creationId xmlns:p14="http://schemas.microsoft.com/office/powerpoint/2010/main" val="1457744214"/>
+        <p14:creationId xmlns:p14="http://schemas.microsoft.com/office/powerpoint/2010/main" val="623783420"/>
       </p:ext>
     </p:extLst>
   </p:cSld>
@@ -547,7 +547,7 @@
           <p:cNvPr id="2" name="竖排标题 1">
             <a:extLst>
               <a:ext uri="{FF2B5EF4-FFF2-40B4-BE49-F238E27FC236}">
-                <a16:creationId xmlns:a16="http://schemas.microsoft.com/office/drawing/2014/main" id="{25A0D51A-BAA4-B2A8-3FE2-288BE5808CFB}"/>
+                <a16:creationId xmlns:a16="http://schemas.microsoft.com/office/drawing/2014/main" id="{056F6F45-4773-A7E2-12F4-358B796269DA}"/>
               </a:ext>
             </a:extLst>
           </p:cNvPr>
@@ -580,7 +580,7 @@
           <p:cNvPr id="3" name="竖排文字占位符 2">
             <a:extLst>
               <a:ext uri="{FF2B5EF4-FFF2-40B4-BE49-F238E27FC236}">
-                <a16:creationId xmlns:a16="http://schemas.microsoft.com/office/drawing/2014/main" id="{9DB41551-AF87-8B4B-1C51-B91F247BC987}"/>
+                <a16:creationId xmlns:a16="http://schemas.microsoft.com/office/drawing/2014/main" id="{3EE67889-790C-EA07-E083-2382B4F50763}"/>
               </a:ext>
             </a:extLst>
           </p:cNvPr>
@@ -642,7 +642,7 @@
           <p:cNvPr id="4" name="日期占位符 3">
             <a:extLst>
               <a:ext uri="{FF2B5EF4-FFF2-40B4-BE49-F238E27FC236}">
-                <a16:creationId xmlns:a16="http://schemas.microsoft.com/office/drawing/2014/main" id="{12F255C7-6CB2-BF5A-2EF3-482526F40DC8}"/>
+                <a16:creationId xmlns:a16="http://schemas.microsoft.com/office/drawing/2014/main" id="{E6D2C603-0987-646B-2C4C-436E4E493A89}"/>
               </a:ext>
             </a:extLst>
           </p:cNvPr>
@@ -658,7 +658,7 @@
           <a:bodyPr/>
           <a:lstStyle/>
           <a:p>
-            <a:fld id="{45E5504D-9A42-407F-9ADB-4855CA75E19F}" type="datetimeFigureOut">
+            <a:fld id="{CCC0D6D1-0F64-4F03-98C2-B9ED375D032D}" type="datetimeFigureOut">
               <a:rPr lang="zh-CN" altLang="en-US" smtClean="0"/>
               <a:t>2024/3/10</a:t>
             </a:fld>
@@ -671,7 +671,7 @@
           <p:cNvPr id="5" name="页脚占位符 4">
             <a:extLst>
               <a:ext uri="{FF2B5EF4-FFF2-40B4-BE49-F238E27FC236}">
-                <a16:creationId xmlns:a16="http://schemas.microsoft.com/office/drawing/2014/main" id="{3374E7DB-FFF0-ECBC-8FFB-13DCC360B558}"/>
+                <a16:creationId xmlns:a16="http://schemas.microsoft.com/office/drawing/2014/main" id="{5E9F41CA-8688-D4BE-4ECA-177213899127}"/>
               </a:ext>
             </a:extLst>
           </p:cNvPr>
@@ -696,7 +696,7 @@
           <p:cNvPr id="6" name="灯片编号占位符 5">
             <a:extLst>
               <a:ext uri="{FF2B5EF4-FFF2-40B4-BE49-F238E27FC236}">
-                <a16:creationId xmlns:a16="http://schemas.microsoft.com/office/drawing/2014/main" id="{4C0E07C4-3663-CC97-2817-439591F08B71}"/>
+                <a16:creationId xmlns:a16="http://schemas.microsoft.com/office/drawing/2014/main" id="{ECE81D1F-0F6A-E9DA-1916-60F48E17BA12}"/>
               </a:ext>
             </a:extLst>
           </p:cNvPr>
@@ -712,7 +712,7 @@
           <a:bodyPr/>
           <a:lstStyle/>
           <a:p>
-            <a:fld id="{20D6FCAB-C98D-4DC6-B76C-2F7B2D3D4AF4}" type="slidenum">
+            <a:fld id="{1DC96638-44A9-48CC-8284-0C6C15CDEEF7}" type="slidenum">
               <a:rPr lang="zh-CN" altLang="en-US" smtClean="0"/>
               <a:t>‹#›</a:t>
             </a:fld>
@@ -723,7 +723,7 @@
     </p:spTree>
     <p:extLst>
       <p:ext uri="{BB962C8B-B14F-4D97-AF65-F5344CB8AC3E}">
-        <p14:creationId xmlns:p14="http://schemas.microsoft.com/office/powerpoint/2010/main" val="1190901379"/>
+        <p14:creationId xmlns:p14="http://schemas.microsoft.com/office/powerpoint/2010/main" val="3718728777"/>
       </p:ext>
     </p:extLst>
   </p:cSld>
@@ -755,7 +755,7 @@
           <p:cNvPr id="2" name="标题 1">
             <a:extLst>
               <a:ext uri="{FF2B5EF4-FFF2-40B4-BE49-F238E27FC236}">
-                <a16:creationId xmlns:a16="http://schemas.microsoft.com/office/drawing/2014/main" id="{DAAF9393-4518-3DCD-00BB-243A1C2871A8}"/>
+                <a16:creationId xmlns:a16="http://schemas.microsoft.com/office/drawing/2014/main" id="{9705C7DC-654B-66CD-D494-7A0B81A92E88}"/>
               </a:ext>
             </a:extLst>
           </p:cNvPr>
@@ -783,7 +783,7 @@
           <p:cNvPr id="3" name="内容占位符 2">
             <a:extLst>
               <a:ext uri="{FF2B5EF4-FFF2-40B4-BE49-F238E27FC236}">
-                <a16:creationId xmlns:a16="http://schemas.microsoft.com/office/drawing/2014/main" id="{9576E78D-AFF8-03C1-9985-B1464F9986B3}"/>
+                <a16:creationId xmlns:a16="http://schemas.microsoft.com/office/drawing/2014/main" id="{C5AE7CFF-89CA-15D7-535C-E7EF7A139F84}"/>
               </a:ext>
             </a:extLst>
           </p:cNvPr>
@@ -840,7 +840,7 @@
           <p:cNvPr id="4" name="日期占位符 3">
             <a:extLst>
               <a:ext uri="{FF2B5EF4-FFF2-40B4-BE49-F238E27FC236}">
-                <a16:creationId xmlns:a16="http://schemas.microsoft.com/office/drawing/2014/main" id="{8DF8D3D8-412E-7D6B-17EA-56F81C487869}"/>
+                <a16:creationId xmlns:a16="http://schemas.microsoft.com/office/drawing/2014/main" id="{72E714C9-4CD6-54D6-4D34-FB8A8847D811}"/>
               </a:ext>
             </a:extLst>
           </p:cNvPr>
@@ -856,7 +856,7 @@
           <a:bodyPr/>
           <a:lstStyle/>
           <a:p>
-            <a:fld id="{45E5504D-9A42-407F-9ADB-4855CA75E19F}" type="datetimeFigureOut">
+            <a:fld id="{CCC0D6D1-0F64-4F03-98C2-B9ED375D032D}" type="datetimeFigureOut">
               <a:rPr lang="zh-CN" altLang="en-US" smtClean="0"/>
               <a:t>2024/3/10</a:t>
             </a:fld>
@@ -869,7 +869,7 @@
           <p:cNvPr id="5" name="页脚占位符 4">
             <a:extLst>
               <a:ext uri="{FF2B5EF4-FFF2-40B4-BE49-F238E27FC236}">
-                <a16:creationId xmlns:a16="http://schemas.microsoft.com/office/drawing/2014/main" id="{85E11A98-969C-84A7-1388-BCD21F291B17}"/>
+                <a16:creationId xmlns:a16="http://schemas.microsoft.com/office/drawing/2014/main" id="{A42CA46B-D45D-6109-5F10-79E22602598C}"/>
               </a:ext>
             </a:extLst>
           </p:cNvPr>
@@ -894,7 +894,7 @@
           <p:cNvPr id="6" name="灯片编号占位符 5">
             <a:extLst>
               <a:ext uri="{FF2B5EF4-FFF2-40B4-BE49-F238E27FC236}">
-                <a16:creationId xmlns:a16="http://schemas.microsoft.com/office/drawing/2014/main" id="{8178D14E-5CA8-1C0A-F886-71C97CADF658}"/>
+                <a16:creationId xmlns:a16="http://schemas.microsoft.com/office/drawing/2014/main" id="{B6B2FF36-5D18-5DED-CC4E-43CF222C8C89}"/>
               </a:ext>
             </a:extLst>
           </p:cNvPr>
@@ -910,7 +910,7 @@
           <a:bodyPr/>
           <a:lstStyle/>
           <a:p>
-            <a:fld id="{20D6FCAB-C98D-4DC6-B76C-2F7B2D3D4AF4}" type="slidenum">
+            <a:fld id="{1DC96638-44A9-48CC-8284-0C6C15CDEEF7}" type="slidenum">
               <a:rPr lang="zh-CN" altLang="en-US" smtClean="0"/>
               <a:t>‹#›</a:t>
             </a:fld>
@@ -921,7 +921,7 @@
     </p:spTree>
     <p:extLst>
       <p:ext uri="{BB962C8B-B14F-4D97-AF65-F5344CB8AC3E}">
-        <p14:creationId xmlns:p14="http://schemas.microsoft.com/office/powerpoint/2010/main" val="1796892555"/>
+        <p14:creationId xmlns:p14="http://schemas.microsoft.com/office/powerpoint/2010/main" val="677198852"/>
       </p:ext>
     </p:extLst>
   </p:cSld>
@@ -953,7 +953,7 @@
           <p:cNvPr id="2" name="标题 1">
             <a:extLst>
               <a:ext uri="{FF2B5EF4-FFF2-40B4-BE49-F238E27FC236}">
-                <a16:creationId xmlns:a16="http://schemas.microsoft.com/office/drawing/2014/main" id="{5B6D3C6C-0E4E-8027-BDFA-467F5FAED7DE}"/>
+                <a16:creationId xmlns:a16="http://schemas.microsoft.com/office/drawing/2014/main" id="{5ADD7897-AF59-BEDF-98DF-6D83A9ABEA11}"/>
               </a:ext>
             </a:extLst>
           </p:cNvPr>
@@ -990,7 +990,7 @@
           <p:cNvPr id="3" name="文本占位符 2">
             <a:extLst>
               <a:ext uri="{FF2B5EF4-FFF2-40B4-BE49-F238E27FC236}">
-                <a16:creationId xmlns:a16="http://schemas.microsoft.com/office/drawing/2014/main" id="{09C21938-4B2C-2EB5-81AD-AC9008EABDFD}"/>
+                <a16:creationId xmlns:a16="http://schemas.microsoft.com/office/drawing/2014/main" id="{71380E60-7594-82B2-1BF1-3D314B2D7376}"/>
               </a:ext>
             </a:extLst>
           </p:cNvPr>
@@ -1115,7 +1115,7 @@
           <p:cNvPr id="4" name="日期占位符 3">
             <a:extLst>
               <a:ext uri="{FF2B5EF4-FFF2-40B4-BE49-F238E27FC236}">
-                <a16:creationId xmlns:a16="http://schemas.microsoft.com/office/drawing/2014/main" id="{EAB6AE55-051F-92E4-4070-982E4BE856DC}"/>
+                <a16:creationId xmlns:a16="http://schemas.microsoft.com/office/drawing/2014/main" id="{DB316379-87E5-FCFF-1667-0EA52C83D6A3}"/>
               </a:ext>
             </a:extLst>
           </p:cNvPr>
@@ -1131,7 +1131,7 @@
           <a:bodyPr/>
           <a:lstStyle/>
           <a:p>
-            <a:fld id="{45E5504D-9A42-407F-9ADB-4855CA75E19F}" type="datetimeFigureOut">
+            <a:fld id="{CCC0D6D1-0F64-4F03-98C2-B9ED375D032D}" type="datetimeFigureOut">
               <a:rPr lang="zh-CN" altLang="en-US" smtClean="0"/>
               <a:t>2024/3/10</a:t>
             </a:fld>
@@ -1144,7 +1144,7 @@
           <p:cNvPr id="5" name="页脚占位符 4">
             <a:extLst>
               <a:ext uri="{FF2B5EF4-FFF2-40B4-BE49-F238E27FC236}">
-                <a16:creationId xmlns:a16="http://schemas.microsoft.com/office/drawing/2014/main" id="{D0CEC8A6-15BD-1DA2-35F0-607B9172941B}"/>
+                <a16:creationId xmlns:a16="http://schemas.microsoft.com/office/drawing/2014/main" id="{F44EA0C3-3BEE-DF15-4D67-714717BC95FE}"/>
               </a:ext>
             </a:extLst>
           </p:cNvPr>
@@ -1169,7 +1169,7 @@
           <p:cNvPr id="6" name="灯片编号占位符 5">
             <a:extLst>
               <a:ext uri="{FF2B5EF4-FFF2-40B4-BE49-F238E27FC236}">
-                <a16:creationId xmlns:a16="http://schemas.microsoft.com/office/drawing/2014/main" id="{0A34B1AB-1999-AAA2-3C44-2219D6F07449}"/>
+                <a16:creationId xmlns:a16="http://schemas.microsoft.com/office/drawing/2014/main" id="{109BA770-5B8C-C751-941C-B349920E3266}"/>
               </a:ext>
             </a:extLst>
           </p:cNvPr>
@@ -1185,7 +1185,7 @@
           <a:bodyPr/>
           <a:lstStyle/>
           <a:p>
-            <a:fld id="{20D6FCAB-C98D-4DC6-B76C-2F7B2D3D4AF4}" type="slidenum">
+            <a:fld id="{1DC96638-44A9-48CC-8284-0C6C15CDEEF7}" type="slidenum">
               <a:rPr lang="zh-CN" altLang="en-US" smtClean="0"/>
               <a:t>‹#›</a:t>
             </a:fld>
@@ -1196,7 +1196,7 @@
     </p:spTree>
     <p:extLst>
       <p:ext uri="{BB962C8B-B14F-4D97-AF65-F5344CB8AC3E}">
-        <p14:creationId xmlns:p14="http://schemas.microsoft.com/office/powerpoint/2010/main" val="3826397724"/>
+        <p14:creationId xmlns:p14="http://schemas.microsoft.com/office/powerpoint/2010/main" val="850301594"/>
       </p:ext>
     </p:extLst>
   </p:cSld>
@@ -1228,7 +1228,7 @@
           <p:cNvPr id="2" name="标题 1">
             <a:extLst>
               <a:ext uri="{FF2B5EF4-FFF2-40B4-BE49-F238E27FC236}">
-                <a16:creationId xmlns:a16="http://schemas.microsoft.com/office/drawing/2014/main" id="{004BA9CF-B1A3-A742-383E-8462D551B894}"/>
+                <a16:creationId xmlns:a16="http://schemas.microsoft.com/office/drawing/2014/main" id="{1A1A0F33-69F7-93C1-DFCF-1D2AB8E68999}"/>
               </a:ext>
             </a:extLst>
           </p:cNvPr>
@@ -1256,7 +1256,7 @@
           <p:cNvPr id="3" name="内容占位符 2">
             <a:extLst>
               <a:ext uri="{FF2B5EF4-FFF2-40B4-BE49-F238E27FC236}">
-                <a16:creationId xmlns:a16="http://schemas.microsoft.com/office/drawing/2014/main" id="{E78F2397-EB63-F7A0-1589-0E7E619CB106}"/>
+                <a16:creationId xmlns:a16="http://schemas.microsoft.com/office/drawing/2014/main" id="{A3ADD269-FC85-8BE4-0657-AD2D5517C968}"/>
               </a:ext>
             </a:extLst>
           </p:cNvPr>
@@ -1318,7 +1318,7 @@
           <p:cNvPr id="4" name="内容占位符 3">
             <a:extLst>
               <a:ext uri="{FF2B5EF4-FFF2-40B4-BE49-F238E27FC236}">
-                <a16:creationId xmlns:a16="http://schemas.microsoft.com/office/drawing/2014/main" id="{D6D2EE90-F16B-4AB8-4EDF-27D5BCF716DB}"/>
+                <a16:creationId xmlns:a16="http://schemas.microsoft.com/office/drawing/2014/main" id="{24C579A5-36C2-B3E7-B8B6-A586ACD0806E}"/>
               </a:ext>
             </a:extLst>
           </p:cNvPr>
@@ -1380,7 +1380,7 @@
           <p:cNvPr id="5" name="日期占位符 4">
             <a:extLst>
               <a:ext uri="{FF2B5EF4-FFF2-40B4-BE49-F238E27FC236}">
-                <a16:creationId xmlns:a16="http://schemas.microsoft.com/office/drawing/2014/main" id="{E67561DF-F008-77F4-305B-068CF8D003B2}"/>
+                <a16:creationId xmlns:a16="http://schemas.microsoft.com/office/drawing/2014/main" id="{629591F3-DBA5-EE23-4077-AC24E8407020}"/>
               </a:ext>
             </a:extLst>
           </p:cNvPr>
@@ -1396,7 +1396,7 @@
           <a:bodyPr/>
           <a:lstStyle/>
           <a:p>
-            <a:fld id="{45E5504D-9A42-407F-9ADB-4855CA75E19F}" type="datetimeFigureOut">
+            <a:fld id="{CCC0D6D1-0F64-4F03-98C2-B9ED375D032D}" type="datetimeFigureOut">
               <a:rPr lang="zh-CN" altLang="en-US" smtClean="0"/>
               <a:t>2024/3/10</a:t>
             </a:fld>
@@ -1409,7 +1409,7 @@
           <p:cNvPr id="6" name="页脚占位符 5">
             <a:extLst>
               <a:ext uri="{FF2B5EF4-FFF2-40B4-BE49-F238E27FC236}">
-                <a16:creationId xmlns:a16="http://schemas.microsoft.com/office/drawing/2014/main" id="{7F92B293-49FC-6A83-67BE-BF8DD34082B9}"/>
+                <a16:creationId xmlns:a16="http://schemas.microsoft.com/office/drawing/2014/main" id="{6F885C23-627F-39F4-1655-11A968878DBD}"/>
               </a:ext>
             </a:extLst>
           </p:cNvPr>
@@ -1434,7 +1434,7 @@
           <p:cNvPr id="7" name="灯片编号占位符 6">
             <a:extLst>
               <a:ext uri="{FF2B5EF4-FFF2-40B4-BE49-F238E27FC236}">
-                <a16:creationId xmlns:a16="http://schemas.microsoft.com/office/drawing/2014/main" id="{8E9AA2CC-C709-50BF-4406-2615EA9E13C5}"/>
+                <a16:creationId xmlns:a16="http://schemas.microsoft.com/office/drawing/2014/main" id="{39E9CF4C-CD22-DFFB-87DC-F2FE272775C6}"/>
               </a:ext>
             </a:extLst>
           </p:cNvPr>
@@ -1450,7 +1450,7 @@
           <a:bodyPr/>
           <a:lstStyle/>
           <a:p>
-            <a:fld id="{20D6FCAB-C98D-4DC6-B76C-2F7B2D3D4AF4}" type="slidenum">
+            <a:fld id="{1DC96638-44A9-48CC-8284-0C6C15CDEEF7}" type="slidenum">
               <a:rPr lang="zh-CN" altLang="en-US" smtClean="0"/>
               <a:t>‹#›</a:t>
             </a:fld>
@@ -1461,7 +1461,7 @@
     </p:spTree>
     <p:extLst>
       <p:ext uri="{BB962C8B-B14F-4D97-AF65-F5344CB8AC3E}">
-        <p14:creationId xmlns:p14="http://schemas.microsoft.com/office/powerpoint/2010/main" val="210217616"/>
+        <p14:creationId xmlns:p14="http://schemas.microsoft.com/office/powerpoint/2010/main" val="2004523796"/>
       </p:ext>
     </p:extLst>
   </p:cSld>
@@ -1493,7 +1493,7 @@
           <p:cNvPr id="2" name="标题 1">
             <a:extLst>
               <a:ext uri="{FF2B5EF4-FFF2-40B4-BE49-F238E27FC236}">
-                <a16:creationId xmlns:a16="http://schemas.microsoft.com/office/drawing/2014/main" id="{7AC191F8-4FD6-AB06-840F-A699D54EE032}"/>
+                <a16:creationId xmlns:a16="http://schemas.microsoft.com/office/drawing/2014/main" id="{E45AB679-59D7-2662-961B-08DE19649240}"/>
               </a:ext>
             </a:extLst>
           </p:cNvPr>
@@ -1526,7 +1526,7 @@
           <p:cNvPr id="3" name="文本占位符 2">
             <a:extLst>
               <a:ext uri="{FF2B5EF4-FFF2-40B4-BE49-F238E27FC236}">
-                <a16:creationId xmlns:a16="http://schemas.microsoft.com/office/drawing/2014/main" id="{9E9C642C-BD9F-ABBC-EBD6-F9A8F9C7308B}"/>
+                <a16:creationId xmlns:a16="http://schemas.microsoft.com/office/drawing/2014/main" id="{12FFC8F5-1E15-45B9-F7C3-0663494AA576}"/>
               </a:ext>
             </a:extLst>
           </p:cNvPr>
@@ -1597,7 +1597,7 @@
           <p:cNvPr id="4" name="内容占位符 3">
             <a:extLst>
               <a:ext uri="{FF2B5EF4-FFF2-40B4-BE49-F238E27FC236}">
-                <a16:creationId xmlns:a16="http://schemas.microsoft.com/office/drawing/2014/main" id="{1706FD1B-1FCF-38A7-D0CE-026042D3C661}"/>
+                <a16:creationId xmlns:a16="http://schemas.microsoft.com/office/drawing/2014/main" id="{E84639F1-DD4C-9187-F2B0-FD8E44EA523F}"/>
               </a:ext>
             </a:extLst>
           </p:cNvPr>
@@ -1659,7 +1659,7 @@
           <p:cNvPr id="5" name="文本占位符 4">
             <a:extLst>
               <a:ext uri="{FF2B5EF4-FFF2-40B4-BE49-F238E27FC236}">
-                <a16:creationId xmlns:a16="http://schemas.microsoft.com/office/drawing/2014/main" id="{E4344133-E67E-B393-A256-0D2872F3811E}"/>
+                <a16:creationId xmlns:a16="http://schemas.microsoft.com/office/drawing/2014/main" id="{76B0E8C3-6695-AAD0-D3F2-65E813C099F8}"/>
               </a:ext>
             </a:extLst>
           </p:cNvPr>
@@ -1730,7 +1730,7 @@
           <p:cNvPr id="6" name="内容占位符 5">
             <a:extLst>
               <a:ext uri="{FF2B5EF4-FFF2-40B4-BE49-F238E27FC236}">
-                <a16:creationId xmlns:a16="http://schemas.microsoft.com/office/drawing/2014/main" id="{5096243E-5837-774C-D936-3A900D2308A5}"/>
+                <a16:creationId xmlns:a16="http://schemas.microsoft.com/office/drawing/2014/main" id="{81B2AFB7-9652-FDC7-E89B-83A1C763A119}"/>
               </a:ext>
             </a:extLst>
           </p:cNvPr>
@@ -1792,7 +1792,7 @@
           <p:cNvPr id="7" name="日期占位符 6">
             <a:extLst>
               <a:ext uri="{FF2B5EF4-FFF2-40B4-BE49-F238E27FC236}">
-                <a16:creationId xmlns:a16="http://schemas.microsoft.com/office/drawing/2014/main" id="{0B83D6CF-D538-465B-432E-4398164956F9}"/>
+                <a16:creationId xmlns:a16="http://schemas.microsoft.com/office/drawing/2014/main" id="{514C92CF-33E4-3C81-E321-5393BC3A3B96}"/>
               </a:ext>
             </a:extLst>
           </p:cNvPr>
@@ -1808,7 +1808,7 @@
           <a:bodyPr/>
           <a:lstStyle/>
           <a:p>
-            <a:fld id="{45E5504D-9A42-407F-9ADB-4855CA75E19F}" type="datetimeFigureOut">
+            <a:fld id="{CCC0D6D1-0F64-4F03-98C2-B9ED375D032D}" type="datetimeFigureOut">
               <a:rPr lang="zh-CN" altLang="en-US" smtClean="0"/>
               <a:t>2024/3/10</a:t>
             </a:fld>
@@ -1821,7 +1821,7 @@
           <p:cNvPr id="8" name="页脚占位符 7">
             <a:extLst>
               <a:ext uri="{FF2B5EF4-FFF2-40B4-BE49-F238E27FC236}">
-                <a16:creationId xmlns:a16="http://schemas.microsoft.com/office/drawing/2014/main" id="{81451EED-553E-0DD7-27B0-F6D27FD57737}"/>
+                <a16:creationId xmlns:a16="http://schemas.microsoft.com/office/drawing/2014/main" id="{0189D643-D0CC-FC7D-9BB9-7153963883EF}"/>
               </a:ext>
             </a:extLst>
           </p:cNvPr>
@@ -1846,7 +1846,7 @@
           <p:cNvPr id="9" name="灯片编号占位符 8">
             <a:extLst>
               <a:ext uri="{FF2B5EF4-FFF2-40B4-BE49-F238E27FC236}">
-                <a16:creationId xmlns:a16="http://schemas.microsoft.com/office/drawing/2014/main" id="{24425E4A-665D-2494-5F61-78D97F7E3937}"/>
+                <a16:creationId xmlns:a16="http://schemas.microsoft.com/office/drawing/2014/main" id="{D19A92EF-3804-7E8D-8AE8-04251487831A}"/>
               </a:ext>
             </a:extLst>
           </p:cNvPr>
@@ -1862,7 +1862,7 @@
           <a:bodyPr/>
           <a:lstStyle/>
           <a:p>
-            <a:fld id="{20D6FCAB-C98D-4DC6-B76C-2F7B2D3D4AF4}" type="slidenum">
+            <a:fld id="{1DC96638-44A9-48CC-8284-0C6C15CDEEF7}" type="slidenum">
               <a:rPr lang="zh-CN" altLang="en-US" smtClean="0"/>
               <a:t>‹#›</a:t>
             </a:fld>
@@ -1873,7 +1873,7 @@
     </p:spTree>
     <p:extLst>
       <p:ext uri="{BB962C8B-B14F-4D97-AF65-F5344CB8AC3E}">
-        <p14:creationId xmlns:p14="http://schemas.microsoft.com/office/powerpoint/2010/main" val="3736701015"/>
+        <p14:creationId xmlns:p14="http://schemas.microsoft.com/office/powerpoint/2010/main" val="629758953"/>
       </p:ext>
     </p:extLst>
   </p:cSld>
@@ -1905,7 +1905,7 @@
           <p:cNvPr id="2" name="标题 1">
             <a:extLst>
               <a:ext uri="{FF2B5EF4-FFF2-40B4-BE49-F238E27FC236}">
-                <a16:creationId xmlns:a16="http://schemas.microsoft.com/office/drawing/2014/main" id="{B4E250C9-9794-0CAD-9951-8A07BD1EAE23}"/>
+                <a16:creationId xmlns:a16="http://schemas.microsoft.com/office/drawing/2014/main" id="{7D781DD2-A11E-DD71-4D5F-8142810E40E7}"/>
               </a:ext>
             </a:extLst>
           </p:cNvPr>
@@ -1933,7 +1933,7 @@
           <p:cNvPr id="3" name="日期占位符 2">
             <a:extLst>
               <a:ext uri="{FF2B5EF4-FFF2-40B4-BE49-F238E27FC236}">
-                <a16:creationId xmlns:a16="http://schemas.microsoft.com/office/drawing/2014/main" id="{0572B261-F666-B35B-3073-F526B7D6FCE7}"/>
+                <a16:creationId xmlns:a16="http://schemas.microsoft.com/office/drawing/2014/main" id="{C7A1023F-74E0-3394-6422-2A556AF14318}"/>
               </a:ext>
             </a:extLst>
           </p:cNvPr>
@@ -1949,7 +1949,7 @@
           <a:bodyPr/>
           <a:lstStyle/>
           <a:p>
-            <a:fld id="{45E5504D-9A42-407F-9ADB-4855CA75E19F}" type="datetimeFigureOut">
+            <a:fld id="{CCC0D6D1-0F64-4F03-98C2-B9ED375D032D}" type="datetimeFigureOut">
               <a:rPr lang="zh-CN" altLang="en-US" smtClean="0"/>
               <a:t>2024/3/10</a:t>
             </a:fld>
@@ -1962,7 +1962,7 @@
           <p:cNvPr id="4" name="页脚占位符 3">
             <a:extLst>
               <a:ext uri="{FF2B5EF4-FFF2-40B4-BE49-F238E27FC236}">
-                <a16:creationId xmlns:a16="http://schemas.microsoft.com/office/drawing/2014/main" id="{14C0AC76-C8EF-7D12-BCB9-A590DC70A719}"/>
+                <a16:creationId xmlns:a16="http://schemas.microsoft.com/office/drawing/2014/main" id="{460D12DE-094B-017E-55EB-46924925D10E}"/>
               </a:ext>
             </a:extLst>
           </p:cNvPr>
@@ -1987,7 +1987,7 @@
           <p:cNvPr id="5" name="灯片编号占位符 4">
             <a:extLst>
               <a:ext uri="{FF2B5EF4-FFF2-40B4-BE49-F238E27FC236}">
-                <a16:creationId xmlns:a16="http://schemas.microsoft.com/office/drawing/2014/main" id="{47247A39-DF8D-C5BE-2498-AC8BD81EAFA2}"/>
+                <a16:creationId xmlns:a16="http://schemas.microsoft.com/office/drawing/2014/main" id="{05612CA8-D7C2-F7AE-71ED-FFB2A60B228C}"/>
               </a:ext>
             </a:extLst>
           </p:cNvPr>
@@ -2003,7 +2003,7 @@
           <a:bodyPr/>
           <a:lstStyle/>
           <a:p>
-            <a:fld id="{20D6FCAB-C98D-4DC6-B76C-2F7B2D3D4AF4}" type="slidenum">
+            <a:fld id="{1DC96638-44A9-48CC-8284-0C6C15CDEEF7}" type="slidenum">
               <a:rPr lang="zh-CN" altLang="en-US" smtClean="0"/>
               <a:t>‹#›</a:t>
             </a:fld>
@@ -2014,7 +2014,7 @@
     </p:spTree>
     <p:extLst>
       <p:ext uri="{BB962C8B-B14F-4D97-AF65-F5344CB8AC3E}">
-        <p14:creationId xmlns:p14="http://schemas.microsoft.com/office/powerpoint/2010/main" val="1780556227"/>
+        <p14:creationId xmlns:p14="http://schemas.microsoft.com/office/powerpoint/2010/main" val="3207212218"/>
       </p:ext>
     </p:extLst>
   </p:cSld>
@@ -2046,7 +2046,7 @@
           <p:cNvPr id="2" name="日期占位符 1">
             <a:extLst>
               <a:ext uri="{FF2B5EF4-FFF2-40B4-BE49-F238E27FC236}">
-                <a16:creationId xmlns:a16="http://schemas.microsoft.com/office/drawing/2014/main" id="{B75F839B-4AE7-4111-3442-1396A19176B4}"/>
+                <a16:creationId xmlns:a16="http://schemas.microsoft.com/office/drawing/2014/main" id="{E0A055F6-9C75-61A1-0841-7D3A6ED32097}"/>
               </a:ext>
             </a:extLst>
           </p:cNvPr>
@@ -2062,7 +2062,7 @@
           <a:bodyPr/>
           <a:lstStyle/>
           <a:p>
-            <a:fld id="{45E5504D-9A42-407F-9ADB-4855CA75E19F}" type="datetimeFigureOut">
+            <a:fld id="{CCC0D6D1-0F64-4F03-98C2-B9ED375D032D}" type="datetimeFigureOut">
               <a:rPr lang="zh-CN" altLang="en-US" smtClean="0"/>
               <a:t>2024/3/10</a:t>
             </a:fld>
@@ -2075,7 +2075,7 @@
           <p:cNvPr id="3" name="页脚占位符 2">
             <a:extLst>
               <a:ext uri="{FF2B5EF4-FFF2-40B4-BE49-F238E27FC236}">
-                <a16:creationId xmlns:a16="http://schemas.microsoft.com/office/drawing/2014/main" id="{EB00AD21-7867-469B-7C64-886C7FF0FA2B}"/>
+                <a16:creationId xmlns:a16="http://schemas.microsoft.com/office/drawing/2014/main" id="{5E3A3957-EA89-3378-F1B4-1282D3C81D24}"/>
               </a:ext>
             </a:extLst>
           </p:cNvPr>
@@ -2100,7 +2100,7 @@
           <p:cNvPr id="4" name="灯片编号占位符 3">
             <a:extLst>
               <a:ext uri="{FF2B5EF4-FFF2-40B4-BE49-F238E27FC236}">
-                <a16:creationId xmlns:a16="http://schemas.microsoft.com/office/drawing/2014/main" id="{1C96DF5F-C5AD-51D7-202C-28C45FEDCE28}"/>
+                <a16:creationId xmlns:a16="http://schemas.microsoft.com/office/drawing/2014/main" id="{5D0BA648-3DC3-05F0-EFD0-F3BA3470E007}"/>
               </a:ext>
             </a:extLst>
           </p:cNvPr>
@@ -2116,7 +2116,7 @@
           <a:bodyPr/>
           <a:lstStyle/>
           <a:p>
-            <a:fld id="{20D6FCAB-C98D-4DC6-B76C-2F7B2D3D4AF4}" type="slidenum">
+            <a:fld id="{1DC96638-44A9-48CC-8284-0C6C15CDEEF7}" type="slidenum">
               <a:rPr lang="zh-CN" altLang="en-US" smtClean="0"/>
               <a:t>‹#›</a:t>
             </a:fld>
@@ -2127,7 +2127,7 @@
     </p:spTree>
     <p:extLst>
       <p:ext uri="{BB962C8B-B14F-4D97-AF65-F5344CB8AC3E}">
-        <p14:creationId xmlns:p14="http://schemas.microsoft.com/office/powerpoint/2010/main" val="1078319474"/>
+        <p14:creationId xmlns:p14="http://schemas.microsoft.com/office/powerpoint/2010/main" val="3599736996"/>
       </p:ext>
     </p:extLst>
   </p:cSld>
@@ -2159,7 +2159,7 @@
           <p:cNvPr id="2" name="标题 1">
             <a:extLst>
               <a:ext uri="{FF2B5EF4-FFF2-40B4-BE49-F238E27FC236}">
-                <a16:creationId xmlns:a16="http://schemas.microsoft.com/office/drawing/2014/main" id="{1E0C2673-BA85-E6A4-07DC-0D054AD3948E}"/>
+                <a16:creationId xmlns:a16="http://schemas.microsoft.com/office/drawing/2014/main" id="{F38B991E-13C7-6BCB-FC3A-50C3807A1B6B}"/>
               </a:ext>
             </a:extLst>
           </p:cNvPr>
@@ -2196,7 +2196,7 @@
           <p:cNvPr id="3" name="内容占位符 2">
             <a:extLst>
               <a:ext uri="{FF2B5EF4-FFF2-40B4-BE49-F238E27FC236}">
-                <a16:creationId xmlns:a16="http://schemas.microsoft.com/office/drawing/2014/main" id="{BC1BE0FB-8A67-8B25-D11B-C97DA6B9CE66}"/>
+                <a16:creationId xmlns:a16="http://schemas.microsoft.com/office/drawing/2014/main" id="{20300675-A110-2AC4-8D04-CB13A693D1B4}"/>
               </a:ext>
             </a:extLst>
           </p:cNvPr>
@@ -2286,7 +2286,7 @@
           <p:cNvPr id="4" name="文本占位符 3">
             <a:extLst>
               <a:ext uri="{FF2B5EF4-FFF2-40B4-BE49-F238E27FC236}">
-                <a16:creationId xmlns:a16="http://schemas.microsoft.com/office/drawing/2014/main" id="{EE381BB1-AAA2-6F66-3D26-3009510CE3E7}"/>
+                <a16:creationId xmlns:a16="http://schemas.microsoft.com/office/drawing/2014/main" id="{A3AB7163-F95A-4D89-196D-E17D732C6594}"/>
               </a:ext>
             </a:extLst>
           </p:cNvPr>
@@ -2357,7 +2357,7 @@
           <p:cNvPr id="5" name="日期占位符 4">
             <a:extLst>
               <a:ext uri="{FF2B5EF4-FFF2-40B4-BE49-F238E27FC236}">
-                <a16:creationId xmlns:a16="http://schemas.microsoft.com/office/drawing/2014/main" id="{9BA48F51-6DFB-13B9-7AE1-5B2FA149534C}"/>
+                <a16:creationId xmlns:a16="http://schemas.microsoft.com/office/drawing/2014/main" id="{9ED8D8E2-F10A-F297-9503-CE4AAC66361A}"/>
               </a:ext>
             </a:extLst>
           </p:cNvPr>
@@ -2373,7 +2373,7 @@
           <a:bodyPr/>
           <a:lstStyle/>
           <a:p>
-            <a:fld id="{45E5504D-9A42-407F-9ADB-4855CA75E19F}" type="datetimeFigureOut">
+            <a:fld id="{CCC0D6D1-0F64-4F03-98C2-B9ED375D032D}" type="datetimeFigureOut">
               <a:rPr lang="zh-CN" altLang="en-US" smtClean="0"/>
               <a:t>2024/3/10</a:t>
             </a:fld>
@@ -2386,7 +2386,7 @@
           <p:cNvPr id="6" name="页脚占位符 5">
             <a:extLst>
               <a:ext uri="{FF2B5EF4-FFF2-40B4-BE49-F238E27FC236}">
-                <a16:creationId xmlns:a16="http://schemas.microsoft.com/office/drawing/2014/main" id="{FC3B0EBE-0291-8D4D-4BF7-D29AAF460CC1}"/>
+                <a16:creationId xmlns:a16="http://schemas.microsoft.com/office/drawing/2014/main" id="{36ECED4E-CE33-54A3-0D40-DBD5F5383ACB}"/>
               </a:ext>
             </a:extLst>
           </p:cNvPr>
@@ -2411,7 +2411,7 @@
           <p:cNvPr id="7" name="灯片编号占位符 6">
             <a:extLst>
               <a:ext uri="{FF2B5EF4-FFF2-40B4-BE49-F238E27FC236}">
-                <a16:creationId xmlns:a16="http://schemas.microsoft.com/office/drawing/2014/main" id="{17AB8E25-DDF0-B237-0D36-6C83116493B8}"/>
+                <a16:creationId xmlns:a16="http://schemas.microsoft.com/office/drawing/2014/main" id="{ACBEC96E-458D-8021-6841-2A5802ACCEB9}"/>
               </a:ext>
             </a:extLst>
           </p:cNvPr>
@@ -2427,7 +2427,7 @@
           <a:bodyPr/>
           <a:lstStyle/>
           <a:p>
-            <a:fld id="{20D6FCAB-C98D-4DC6-B76C-2F7B2D3D4AF4}" type="slidenum">
+            <a:fld id="{1DC96638-44A9-48CC-8284-0C6C15CDEEF7}" type="slidenum">
               <a:rPr lang="zh-CN" altLang="en-US" smtClean="0"/>
               <a:t>‹#›</a:t>
             </a:fld>
@@ -2438,7 +2438,7 @@
     </p:spTree>
     <p:extLst>
       <p:ext uri="{BB962C8B-B14F-4D97-AF65-F5344CB8AC3E}">
-        <p14:creationId xmlns:p14="http://schemas.microsoft.com/office/powerpoint/2010/main" val="2697965548"/>
+        <p14:creationId xmlns:p14="http://schemas.microsoft.com/office/powerpoint/2010/main" val="1686578375"/>
       </p:ext>
     </p:extLst>
   </p:cSld>
@@ -2470,7 +2470,7 @@
           <p:cNvPr id="2" name="标题 1">
             <a:extLst>
               <a:ext uri="{FF2B5EF4-FFF2-40B4-BE49-F238E27FC236}">
-                <a16:creationId xmlns:a16="http://schemas.microsoft.com/office/drawing/2014/main" id="{72C18E51-2770-1CC3-2C84-8F0402DF53F4}"/>
+                <a16:creationId xmlns:a16="http://schemas.microsoft.com/office/drawing/2014/main" id="{1DAFD3DB-2420-D7F4-16CF-13410C481946}"/>
               </a:ext>
             </a:extLst>
           </p:cNvPr>
@@ -2507,7 +2507,7 @@
           <p:cNvPr id="3" name="图片占位符 2">
             <a:extLst>
               <a:ext uri="{FF2B5EF4-FFF2-40B4-BE49-F238E27FC236}">
-                <a16:creationId xmlns:a16="http://schemas.microsoft.com/office/drawing/2014/main" id="{2009796E-FBCA-1457-F1C6-1804DF854F0D}"/>
+                <a16:creationId xmlns:a16="http://schemas.microsoft.com/office/drawing/2014/main" id="{0EE1218A-84B6-AF7E-9AD4-36CED7038F70}"/>
               </a:ext>
             </a:extLst>
           </p:cNvPr>
@@ -2574,7 +2574,7 @@
           <p:cNvPr id="4" name="文本占位符 3">
             <a:extLst>
               <a:ext uri="{FF2B5EF4-FFF2-40B4-BE49-F238E27FC236}">
-                <a16:creationId xmlns:a16="http://schemas.microsoft.com/office/drawing/2014/main" id="{CBB21478-D3E4-1131-52DE-FB4DCDFA07D6}"/>
+                <a16:creationId xmlns:a16="http://schemas.microsoft.com/office/drawing/2014/main" id="{9F683A39-B483-1A5F-FF84-740E219E53F3}"/>
               </a:ext>
             </a:extLst>
           </p:cNvPr>
@@ -2645,7 +2645,7 @@
           <p:cNvPr id="5" name="日期占位符 4">
             <a:extLst>
               <a:ext uri="{FF2B5EF4-FFF2-40B4-BE49-F238E27FC236}">
-                <a16:creationId xmlns:a16="http://schemas.microsoft.com/office/drawing/2014/main" id="{79A2990A-027F-335C-C76E-F64A4B452205}"/>
+                <a16:creationId xmlns:a16="http://schemas.microsoft.com/office/drawing/2014/main" id="{D4D1912A-3749-77F3-52A8-989AE58D0B84}"/>
               </a:ext>
             </a:extLst>
           </p:cNvPr>
@@ -2661,7 +2661,7 @@
           <a:bodyPr/>
           <a:lstStyle/>
           <a:p>
-            <a:fld id="{45E5504D-9A42-407F-9ADB-4855CA75E19F}" type="datetimeFigureOut">
+            <a:fld id="{CCC0D6D1-0F64-4F03-98C2-B9ED375D032D}" type="datetimeFigureOut">
               <a:rPr lang="zh-CN" altLang="en-US" smtClean="0"/>
               <a:t>2024/3/10</a:t>
             </a:fld>
@@ -2674,7 +2674,7 @@
           <p:cNvPr id="6" name="页脚占位符 5">
             <a:extLst>
               <a:ext uri="{FF2B5EF4-FFF2-40B4-BE49-F238E27FC236}">
-                <a16:creationId xmlns:a16="http://schemas.microsoft.com/office/drawing/2014/main" id="{D5589142-16EE-3176-7887-FF2A0F04D1A9}"/>
+                <a16:creationId xmlns:a16="http://schemas.microsoft.com/office/drawing/2014/main" id="{30F83BD8-D574-77DA-6078-6A9F233E20B9}"/>
               </a:ext>
             </a:extLst>
           </p:cNvPr>
@@ -2699,7 +2699,7 @@
           <p:cNvPr id="7" name="灯片编号占位符 6">
             <a:extLst>
               <a:ext uri="{FF2B5EF4-FFF2-40B4-BE49-F238E27FC236}">
-                <a16:creationId xmlns:a16="http://schemas.microsoft.com/office/drawing/2014/main" id="{0708F5FC-CCDB-D40A-E487-41B8C00CAA41}"/>
+                <a16:creationId xmlns:a16="http://schemas.microsoft.com/office/drawing/2014/main" id="{8A92FF30-7011-7DFD-B7CB-7CD2727DF17C}"/>
               </a:ext>
             </a:extLst>
           </p:cNvPr>
@@ -2715,7 +2715,7 @@
           <a:bodyPr/>
           <a:lstStyle/>
           <a:p>
-            <a:fld id="{20D6FCAB-C98D-4DC6-B76C-2F7B2D3D4AF4}" type="slidenum">
+            <a:fld id="{1DC96638-44A9-48CC-8284-0C6C15CDEEF7}" type="slidenum">
               <a:rPr lang="zh-CN" altLang="en-US" smtClean="0"/>
               <a:t>‹#›</a:t>
             </a:fld>
@@ -2726,7 +2726,7 @@
     </p:spTree>
     <p:extLst>
       <p:ext uri="{BB962C8B-B14F-4D97-AF65-F5344CB8AC3E}">
-        <p14:creationId xmlns:p14="http://schemas.microsoft.com/office/powerpoint/2010/main" val="144863604"/>
+        <p14:creationId xmlns:p14="http://schemas.microsoft.com/office/powerpoint/2010/main" val="1063326605"/>
       </p:ext>
     </p:extLst>
   </p:cSld>
@@ -2763,7 +2763,7 @@
           <p:cNvPr id="2" name="标题占位符 1">
             <a:extLst>
               <a:ext uri="{FF2B5EF4-FFF2-40B4-BE49-F238E27FC236}">
-                <a16:creationId xmlns:a16="http://schemas.microsoft.com/office/drawing/2014/main" id="{83A4191D-FD2D-CF1D-EB07-B942F158B878}"/>
+                <a16:creationId xmlns:a16="http://schemas.microsoft.com/office/drawing/2014/main" id="{015505CA-41F6-BA24-A266-19B068FF2CC4}"/>
               </a:ext>
             </a:extLst>
           </p:cNvPr>
@@ -2801,7 +2801,7 @@
           <p:cNvPr id="3" name="文本占位符 2">
             <a:extLst>
               <a:ext uri="{FF2B5EF4-FFF2-40B4-BE49-F238E27FC236}">
-                <a16:creationId xmlns:a16="http://schemas.microsoft.com/office/drawing/2014/main" id="{26B6A544-15D4-3E2F-09BE-4C32C3A8C8E1}"/>
+                <a16:creationId xmlns:a16="http://schemas.microsoft.com/office/drawing/2014/main" id="{A9D0A9F8-4D3C-8D6B-FEF3-74C254E01306}"/>
               </a:ext>
             </a:extLst>
           </p:cNvPr>
@@ -2868,7 +2868,7 @@
           <p:cNvPr id="4" name="日期占位符 3">
             <a:extLst>
               <a:ext uri="{FF2B5EF4-FFF2-40B4-BE49-F238E27FC236}">
-                <a16:creationId xmlns:a16="http://schemas.microsoft.com/office/drawing/2014/main" id="{2B2AD890-CBE9-636C-A230-B9606B40DD17}"/>
+                <a16:creationId xmlns:a16="http://schemas.microsoft.com/office/drawing/2014/main" id="{D0D73E91-D099-B6AF-2824-7D4F161044B6}"/>
               </a:ext>
             </a:extLst>
           </p:cNvPr>
@@ -2902,7 +2902,7 @@
             </a:lvl1pPr>
           </a:lstStyle>
           <a:p>
-            <a:fld id="{45E5504D-9A42-407F-9ADB-4855CA75E19F}" type="datetimeFigureOut">
+            <a:fld id="{CCC0D6D1-0F64-4F03-98C2-B9ED375D032D}" type="datetimeFigureOut">
               <a:rPr lang="zh-CN" altLang="en-US" smtClean="0"/>
               <a:t>2024/3/10</a:t>
             </a:fld>
@@ -2915,7 +2915,7 @@
           <p:cNvPr id="5" name="页脚占位符 4">
             <a:extLst>
               <a:ext uri="{FF2B5EF4-FFF2-40B4-BE49-F238E27FC236}">
-                <a16:creationId xmlns:a16="http://schemas.microsoft.com/office/drawing/2014/main" id="{33400F1E-B162-A717-2FE8-95F076141872}"/>
+                <a16:creationId xmlns:a16="http://schemas.microsoft.com/office/drawing/2014/main" id="{7A82BFBC-E694-E27C-3C9C-6A428C6B1BA0}"/>
               </a:ext>
             </a:extLst>
           </p:cNvPr>
@@ -2958,7 +2958,7 @@
           <p:cNvPr id="6" name="灯片编号占位符 5">
             <a:extLst>
               <a:ext uri="{FF2B5EF4-FFF2-40B4-BE49-F238E27FC236}">
-                <a16:creationId xmlns:a16="http://schemas.microsoft.com/office/drawing/2014/main" id="{9BF731AB-638E-09BE-4D47-339DD5DA0E04}"/>
+                <a16:creationId xmlns:a16="http://schemas.microsoft.com/office/drawing/2014/main" id="{A6D616D8-E212-BEAD-8074-6EEB6A0ED909}"/>
               </a:ext>
             </a:extLst>
           </p:cNvPr>
@@ -2992,7 +2992,7 @@
             </a:lvl1pPr>
           </a:lstStyle>
           <a:p>
-            <a:fld id="{20D6FCAB-C98D-4DC6-B76C-2F7B2D3D4AF4}" type="slidenum">
+            <a:fld id="{1DC96638-44A9-48CC-8284-0C6C15CDEEF7}" type="slidenum">
               <a:rPr lang="zh-CN" altLang="en-US" smtClean="0"/>
               <a:t>‹#›</a:t>
             </a:fld>
@@ -3003,7 +3003,7 @@
     </p:spTree>
     <p:extLst>
       <p:ext uri="{BB962C8B-B14F-4D97-AF65-F5344CB8AC3E}">
-        <p14:creationId xmlns:p14="http://schemas.microsoft.com/office/powerpoint/2010/main" val="1484947154"/>
+        <p14:creationId xmlns:p14="http://schemas.microsoft.com/office/powerpoint/2010/main" val="818159255"/>
       </p:ext>
     </p:extLst>
   </p:cSld>
